--- a/document/MA301 Fibonacci Series.pptx
+++ b/document/MA301 Fibonacci Series.pptx
@@ -246,7 +246,7 @@
           <a:p>
             <a:fld id="{FD921DA6-3471-442A-8BE2-8C3167684F8A}" type="datetimeFigureOut">
               <a:rPr lang="en-US" smtClean="0"/>
-              <a:t>5/23/2020</a:t>
+              <a:t>8/9/2020</a:t>
             </a:fld>
             <a:endParaRPr lang="en-US"/>
           </a:p>
@@ -416,7 +416,7 @@
           <a:p>
             <a:fld id="{FD921DA6-3471-442A-8BE2-8C3167684F8A}" type="datetimeFigureOut">
               <a:rPr lang="en-US" smtClean="0"/>
-              <a:t>5/23/2020</a:t>
+              <a:t>8/9/2020</a:t>
             </a:fld>
             <a:endParaRPr lang="en-US"/>
           </a:p>
@@ -596,7 +596,7 @@
           <a:p>
             <a:fld id="{FD921DA6-3471-442A-8BE2-8C3167684F8A}" type="datetimeFigureOut">
               <a:rPr lang="en-US" smtClean="0"/>
-              <a:t>5/23/2020</a:t>
+              <a:t>8/9/2020</a:t>
             </a:fld>
             <a:endParaRPr lang="en-US"/>
           </a:p>
@@ -766,7 +766,7 @@
           <a:p>
             <a:fld id="{FD921DA6-3471-442A-8BE2-8C3167684F8A}" type="datetimeFigureOut">
               <a:rPr lang="en-US" smtClean="0"/>
-              <a:t>5/23/2020</a:t>
+              <a:t>8/9/2020</a:t>
             </a:fld>
             <a:endParaRPr lang="en-US"/>
           </a:p>
@@ -1012,7 +1012,7 @@
           <a:p>
             <a:fld id="{FD921DA6-3471-442A-8BE2-8C3167684F8A}" type="datetimeFigureOut">
               <a:rPr lang="en-US" smtClean="0"/>
-              <a:t>5/23/2020</a:t>
+              <a:t>8/9/2020</a:t>
             </a:fld>
             <a:endParaRPr lang="en-US"/>
           </a:p>
@@ -1244,7 +1244,7 @@
           <a:p>
             <a:fld id="{FD921DA6-3471-442A-8BE2-8C3167684F8A}" type="datetimeFigureOut">
               <a:rPr lang="en-US" smtClean="0"/>
-              <a:t>5/23/2020</a:t>
+              <a:t>8/9/2020</a:t>
             </a:fld>
             <a:endParaRPr lang="en-US"/>
           </a:p>
@@ -1611,7 +1611,7 @@
           <a:p>
             <a:fld id="{FD921DA6-3471-442A-8BE2-8C3167684F8A}" type="datetimeFigureOut">
               <a:rPr lang="en-US" smtClean="0"/>
-              <a:t>5/23/2020</a:t>
+              <a:t>8/9/2020</a:t>
             </a:fld>
             <a:endParaRPr lang="en-US"/>
           </a:p>
@@ -1729,7 +1729,7 @@
           <a:p>
             <a:fld id="{FD921DA6-3471-442A-8BE2-8C3167684F8A}" type="datetimeFigureOut">
               <a:rPr lang="en-US" smtClean="0"/>
-              <a:t>5/23/2020</a:t>
+              <a:t>8/9/2020</a:t>
             </a:fld>
             <a:endParaRPr lang="en-US"/>
           </a:p>
@@ -1824,7 +1824,7 @@
           <a:p>
             <a:fld id="{FD921DA6-3471-442A-8BE2-8C3167684F8A}" type="datetimeFigureOut">
               <a:rPr lang="en-US" smtClean="0"/>
-              <a:t>5/23/2020</a:t>
+              <a:t>8/9/2020</a:t>
             </a:fld>
             <a:endParaRPr lang="en-US"/>
           </a:p>
@@ -2101,7 +2101,7 @@
           <a:p>
             <a:fld id="{FD921DA6-3471-442A-8BE2-8C3167684F8A}" type="datetimeFigureOut">
               <a:rPr lang="en-US" smtClean="0"/>
-              <a:t>5/23/2020</a:t>
+              <a:t>8/9/2020</a:t>
             </a:fld>
             <a:endParaRPr lang="en-US"/>
           </a:p>
@@ -2354,7 +2354,7 @@
           <a:p>
             <a:fld id="{FD921DA6-3471-442A-8BE2-8C3167684F8A}" type="datetimeFigureOut">
               <a:rPr lang="en-US" smtClean="0"/>
-              <a:t>5/23/2020</a:t>
+              <a:t>8/9/2020</a:t>
             </a:fld>
             <a:endParaRPr lang="en-US"/>
           </a:p>
@@ -2567,7 +2567,7 @@
           <a:p>
             <a:fld id="{FD921DA6-3471-442A-8BE2-8C3167684F8A}" type="datetimeFigureOut">
               <a:rPr lang="en-US" smtClean="0"/>
-              <a:t>5/23/2020</a:t>
+              <a:t>8/9/2020</a:t>
             </a:fld>
             <a:endParaRPr lang="en-US"/>
           </a:p>
@@ -2980,8 +2980,8 @@
         </p:nvSpPr>
         <p:spPr>
           <a:xfrm>
-            <a:off x="2896963" y="385550"/>
-            <a:ext cx="5446938" cy="646331"/>
+            <a:off x="4383822" y="754232"/>
+            <a:ext cx="3545443" cy="400110"/>
           </a:xfrm>
           <a:prstGeom prst="rect">
             <a:avLst/>
@@ -2994,7 +2994,7 @@
           <a:lstStyle/>
           <a:p>
             <a:r>
-              <a:rPr lang="en-US" sz="3600" dirty="0" smtClean="0">
+              <a:rPr lang="en-US" sz="2000" dirty="0" smtClean="0">
                 <a:solidFill>
                   <a:srgbClr val="0000FF"/>
                 </a:solidFill>
@@ -3002,7 +3002,7 @@
               </a:rPr>
               <a:t>Fibonacci Sequence</a:t>
             </a:r>
-            <a:endParaRPr lang="en-US" sz="3600" dirty="0">
+            <a:endParaRPr lang="en-US" sz="2000" dirty="0">
               <a:solidFill>
                 <a:srgbClr val="0000FF"/>
               </a:solidFill>
@@ -3401,19 +3401,7 @@
             </a:r>
             <a:r>
               <a:rPr lang="en-US" dirty="0" smtClean="0"/>
-              <a:t>by adding </a:t>
-            </a:r>
-            <a:r>
-              <a:rPr lang="en-US" dirty="0" smtClean="0"/>
-              <a:t>the previous </a:t>
-            </a:r>
-            <a:r>
-              <a:rPr lang="en-US" dirty="0" smtClean="0"/>
-              <a:t>2 </a:t>
-            </a:r>
-            <a:r>
-              <a:rPr lang="en-US" dirty="0" smtClean="0"/>
-              <a:t>numbers, where the 1</a:t>
+              <a:t>by adding the previous 2 numbers, where the 1</a:t>
             </a:r>
             <a:r>
               <a:rPr lang="en-US" baseline="30000" dirty="0" smtClean="0"/>
@@ -3421,15 +3409,7 @@
             </a:r>
             <a:r>
               <a:rPr lang="en-US" dirty="0" smtClean="0"/>
-              <a:t> </a:t>
-            </a:r>
-            <a:r>
-              <a:rPr lang="en-US" dirty="0" smtClean="0"/>
-              <a:t>term F1 &amp; </a:t>
-            </a:r>
-            <a:r>
-              <a:rPr lang="en-US" dirty="0" smtClean="0"/>
-              <a:t> the 2</a:t>
+              <a:t> term F1 &amp;  the 2</a:t>
             </a:r>
             <a:r>
               <a:rPr lang="en-US" baseline="30000" dirty="0" smtClean="0"/>
@@ -3437,11 +3417,7 @@
             </a:r>
             <a:r>
               <a:rPr lang="en-US" dirty="0" smtClean="0"/>
-              <a:t> </a:t>
-            </a:r>
-            <a:r>
-              <a:rPr lang="en-US" dirty="0" smtClean="0"/>
-              <a:t>term F2 are 1.</a:t>
+              <a:t> term F2 are 1.</a:t>
             </a:r>
             <a:endParaRPr lang="en-US" dirty="0"/>
           </a:p>
@@ -3469,7 +3445,7 @@
           <a:graphicData uri="http://schemas.openxmlformats.org/presentationml/2006/ole">
             <mc:AlternateContent xmlns:mc="http://schemas.openxmlformats.org/markup-compatibility/2006">
               <mc:Choice xmlns:v="urn:schemas-microsoft-com:vml" Requires="v">
-                <p:oleObj spid="_x0000_s2140" name="Equation" r:id="rId8" imgW="952200" imgH="228600" progId="Equation.DSMT4">
+                <p:oleObj spid="_x0000_s2149" name="Equation" r:id="rId8" imgW="952200" imgH="228600" progId="Equation.DSMT4">
                   <p:embed/>
                 </p:oleObj>
               </mc:Choice>
@@ -3526,7 +3502,7 @@
           <a:graphicData uri="http://schemas.openxmlformats.org/presentationml/2006/ole">
             <mc:AlternateContent xmlns:mc="http://schemas.openxmlformats.org/markup-compatibility/2006">
               <mc:Choice xmlns:v="urn:schemas-microsoft-com:vml" Requires="v">
-                <p:oleObj spid="_x0000_s2141" name="Equation" r:id="rId10" imgW="1904760" imgH="431640" progId="Equation.DSMT4">
+                <p:oleObj spid="_x0000_s2150" name="Equation" r:id="rId10" imgW="1904760" imgH="431640" progId="Equation.DSMT4">
                   <p:embed/>
                 </p:oleObj>
               </mc:Choice>
@@ -3583,7 +3559,7 @@
           <a:graphicData uri="http://schemas.openxmlformats.org/presentationml/2006/ole">
             <mc:AlternateContent xmlns:mc="http://schemas.openxmlformats.org/markup-compatibility/2006">
               <mc:Choice xmlns:v="urn:schemas-microsoft-com:vml" Requires="v">
-                <p:oleObj spid="_x0000_s2142" name="Equation" r:id="rId12" imgW="1206360" imgH="228600" progId="Equation.DSMT4">
+                <p:oleObj spid="_x0000_s2151" name="Equation" r:id="rId12" imgW="1206360" imgH="228600" progId="Equation.DSMT4">
                   <p:embed/>
                 </p:oleObj>
               </mc:Choice>
@@ -3665,23 +3641,7 @@
           <a:p>
             <a:r>
               <a:rPr lang="en-US" dirty="0" smtClean="0"/>
-              <a:t>Then Phi is like </a:t>
-            </a:r>
-            <a:r>
-              <a:rPr lang="en-US" dirty="0" smtClean="0"/>
-              <a:t>the </a:t>
-            </a:r>
-            <a:r>
-              <a:rPr lang="en-US" dirty="0" smtClean="0"/>
-              <a:t>common </a:t>
-            </a:r>
-            <a:r>
-              <a:rPr lang="en-US" dirty="0" smtClean="0"/>
-              <a:t>ratio of geometric </a:t>
-            </a:r>
-            <a:r>
-              <a:rPr lang="en-US" dirty="0" smtClean="0"/>
-              <a:t>sequence.</a:t>
+              <a:t>Then Phi is like the common ratio of geometric sequence.</a:t>
             </a:r>
             <a:endParaRPr lang="en-US" dirty="0"/>
           </a:p>
@@ -3724,50 +3684,101 @@
               <a:rPr lang="en-US" sz="1600" dirty="0">
                 <a:latin typeface="Alaska" panose="020E0602030304020303" pitchFamily="34" charset="0"/>
               </a:rPr>
-              <a:t>the origin has been traced back to </a:t>
+              <a:t>the origin has been traced back to a</a:t>
+            </a:r>
+            <a:r>
+              <a:rPr lang="en-US" sz="1600" dirty="0" smtClean="0">
+                <a:latin typeface="Alaska" panose="020E0602030304020303" pitchFamily="34" charset="0"/>
+              </a:rPr>
+              <a:t>ncient India </a:t>
             </a:r>
             <a:r>
               <a:rPr lang="en-US" sz="1600" dirty="0">
                 <a:latin typeface="Alaska" panose="020E0602030304020303" pitchFamily="34" charset="0"/>
               </a:rPr>
-              <a:t>a</a:t>
+              <a:t>as early as 200 BC, where it has been applied </a:t>
             </a:r>
             <a:r>
               <a:rPr lang="en-US" sz="1600" dirty="0" smtClean="0">
                 <a:latin typeface="Alaska" panose="020E0602030304020303" pitchFamily="34" charset="0"/>
               </a:rPr>
-              <a:t>ncient </a:t>
-            </a:r>
-            <a:r>
-              <a:rPr lang="en-US" sz="1600" dirty="0" smtClean="0">
-                <a:latin typeface="Alaska" panose="020E0602030304020303" pitchFamily="34" charset="0"/>
-              </a:rPr>
-              <a:t>India </a:t>
+              <a:t>in mathematics </a:t>
             </a:r>
             <a:r>
               <a:rPr lang="en-US" sz="1600" dirty="0">
                 <a:latin typeface="Alaska" panose="020E0602030304020303" pitchFamily="34" charset="0"/>
               </a:rPr>
-              <a:t>as early as 200 BC, where it has been applied </a:t>
-            </a:r>
-            <a:r>
-              <a:rPr lang="en-US" sz="1600" dirty="0" smtClean="0">
-                <a:latin typeface="Alaska" panose="020E0602030304020303" pitchFamily="34" charset="0"/>
-              </a:rPr>
-              <a:t>in </a:t>
-            </a:r>
-            <a:r>
-              <a:rPr lang="en-US" sz="1600" dirty="0" smtClean="0">
-                <a:latin typeface="Alaska" panose="020E0602030304020303" pitchFamily="34" charset="0"/>
-              </a:rPr>
-              <a:t>mathematics </a:t>
-            </a:r>
-            <a:r>
-              <a:rPr lang="en-US" sz="1600" dirty="0">
-                <a:latin typeface="Alaska" panose="020E0602030304020303" pitchFamily="34" charset="0"/>
-              </a:rPr>
               <a:t>and musical patterns.</a:t>
             </a:r>
+          </a:p>
+        </p:txBody>
+      </p:sp>
+      <p:sp>
+        <p:nvSpPr>
+          <p:cNvPr id="5" name="Rectangle 4"/>
+          <p:cNvSpPr/>
+          <p:nvPr/>
+        </p:nvSpPr>
+        <p:spPr>
+          <a:xfrm>
+            <a:off x="2251529" y="184648"/>
+            <a:ext cx="6408693" cy="584775"/>
+          </a:xfrm>
+          <a:prstGeom prst="rect">
+            <a:avLst/>
+          </a:prstGeom>
+        </p:spPr>
+        <p:txBody>
+          <a:bodyPr wrap="square">
+            <a:spAutoFit/>
+          </a:bodyPr>
+          <a:lstStyle/>
+          <a:p>
+            <a:r>
+              <a:rPr lang="en-US" sz="3200" b="1" dirty="0" err="1">
+                <a:solidFill>
+                  <a:srgbClr val="0000FF"/>
+                </a:solidFill>
+              </a:rPr>
+              <a:t>ஃபிபனாச்சி</a:t>
+            </a:r>
+            <a:r>
+              <a:rPr lang="en-US" sz="3200" b="1" dirty="0">
+                <a:solidFill>
+                  <a:srgbClr val="0000FF"/>
+                </a:solidFill>
+              </a:rPr>
+              <a:t> </a:t>
+            </a:r>
+            <a:r>
+              <a:rPr lang="en-US" sz="3200" b="1" dirty="0" err="1">
+                <a:solidFill>
+                  <a:srgbClr val="0000FF"/>
+                </a:solidFill>
+              </a:rPr>
+              <a:t>தொடர்</a:t>
+            </a:r>
+            <a:r>
+              <a:rPr lang="en-US" sz="3200" b="1" dirty="0">
+                <a:solidFill>
+                  <a:srgbClr val="0000FF"/>
+                </a:solidFill>
+              </a:rPr>
+              <a:t>- </a:t>
+            </a:r>
+            <a:r>
+              <a:rPr lang="en-US" sz="3200" b="1" dirty="0" err="1">
+                <a:solidFill>
+                  <a:srgbClr val="0000FF"/>
+                </a:solidFill>
+              </a:rPr>
+              <a:t>தமிழ்</a:t>
+            </a:r>
+            <a:endParaRPr lang="en-US" sz="3200" b="1" dirty="0">
+              <a:solidFill>
+                <a:srgbClr val="0000FF"/>
+              </a:solidFill>
+            </a:endParaRPr>
           </a:p>
         </p:txBody>
       </p:sp>
@@ -3948,7 +3959,7 @@
                             </p:stCondLst>
                             <p:childTnLst>
                               <p:par>
-                                <p:cTn id="17" presetID="1" presetClass="entr" presetSubtype="0" fill="hold" grpId="0" nodeType="clickEffect">
+                                <p:cTn id="17" presetID="2" presetClass="entr" presetSubtype="4" fill="hold" grpId="0" nodeType="clickEffect">
                                   <p:stCondLst>
                                     <p:cond delay="0"/>
                                   </p:stCondLst>
@@ -3956,6 +3967,97 @@
                                     <p:set>
                                       <p:cBhvr>
                                         <p:cTn id="18" dur="1" fill="hold">
+                                          <p:stCondLst>
+                                            <p:cond delay="0"/>
+                                          </p:stCondLst>
+                                        </p:cTn>
+                                        <p:tgtEl>
+                                          <p:spTgt spid="5"/>
+                                        </p:tgtEl>
+                                        <p:attrNameLst>
+                                          <p:attrName>style.visibility</p:attrName>
+                                        </p:attrNameLst>
+                                      </p:cBhvr>
+                                      <p:to>
+                                        <p:strVal val="visible"/>
+                                      </p:to>
+                                    </p:set>
+                                    <p:anim calcmode="lin" valueType="num">
+                                      <p:cBhvr additive="base">
+                                        <p:cTn id="19" dur="500" fill="hold"/>
+                                        <p:tgtEl>
+                                          <p:spTgt spid="5"/>
+                                        </p:tgtEl>
+                                        <p:attrNameLst>
+                                          <p:attrName>ppt_x</p:attrName>
+                                        </p:attrNameLst>
+                                      </p:cBhvr>
+                                      <p:tavLst>
+                                        <p:tav tm="0">
+                                          <p:val>
+                                            <p:strVal val="#ppt_x"/>
+                                          </p:val>
+                                        </p:tav>
+                                        <p:tav tm="100000">
+                                          <p:val>
+                                            <p:strVal val="#ppt_x"/>
+                                          </p:val>
+                                        </p:tav>
+                                      </p:tavLst>
+                                    </p:anim>
+                                    <p:anim calcmode="lin" valueType="num">
+                                      <p:cBhvr additive="base">
+                                        <p:cTn id="20" dur="500" fill="hold"/>
+                                        <p:tgtEl>
+                                          <p:spTgt spid="5"/>
+                                        </p:tgtEl>
+                                        <p:attrNameLst>
+                                          <p:attrName>ppt_y</p:attrName>
+                                        </p:attrNameLst>
+                                      </p:cBhvr>
+                                      <p:tavLst>
+                                        <p:tav tm="0">
+                                          <p:val>
+                                            <p:strVal val="1+#ppt_h/2"/>
+                                          </p:val>
+                                        </p:tav>
+                                        <p:tav tm="100000">
+                                          <p:val>
+                                            <p:strVal val="#ppt_y"/>
+                                          </p:val>
+                                        </p:tav>
+                                      </p:tavLst>
+                                    </p:anim>
+                                  </p:childTnLst>
+                                </p:cTn>
+                              </p:par>
+                            </p:childTnLst>
+                          </p:cTn>
+                        </p:par>
+                      </p:childTnLst>
+                    </p:cTn>
+                  </p:par>
+                  <p:par>
+                    <p:cTn id="21" fill="hold">
+                      <p:stCondLst>
+                        <p:cond delay="indefinite"/>
+                      </p:stCondLst>
+                      <p:childTnLst>
+                        <p:par>
+                          <p:cTn id="22" fill="hold">
+                            <p:stCondLst>
+                              <p:cond delay="0"/>
+                            </p:stCondLst>
+                            <p:childTnLst>
+                              <p:par>
+                                <p:cTn id="23" presetID="1" presetClass="entr" presetSubtype="0" fill="hold" grpId="0" nodeType="clickEffect">
+                                  <p:stCondLst>
+                                    <p:cond delay="0"/>
+                                  </p:stCondLst>
+                                  <p:childTnLst>
+                                    <p:set>
+                                      <p:cBhvr>
+                                        <p:cTn id="24" dur="1" fill="hold">
                                           <p:stCondLst>
                                             <p:cond delay="0"/>
                                           </p:stCondLst>
@@ -3981,26 +4083,26 @@
                     </p:cTn>
                   </p:par>
                   <p:par>
-                    <p:cTn id="19" fill="hold">
+                    <p:cTn id="25" fill="hold">
                       <p:stCondLst>
                         <p:cond delay="indefinite"/>
                       </p:stCondLst>
                       <p:childTnLst>
                         <p:par>
-                          <p:cTn id="20" fill="hold">
+                          <p:cTn id="26" fill="hold">
                             <p:stCondLst>
                               <p:cond delay="0"/>
                             </p:stCondLst>
                             <p:childTnLst>
                               <p:par>
-                                <p:cTn id="21" presetID="1" presetClass="entr" presetSubtype="0" fill="hold" grpId="0" nodeType="clickEffect">
+                                <p:cTn id="27" presetID="1" presetClass="entr" presetSubtype="0" fill="hold" grpId="0" nodeType="clickEffect">
                                   <p:stCondLst>
                                     <p:cond delay="0"/>
                                   </p:stCondLst>
                                   <p:childTnLst>
                                     <p:set>
                                       <p:cBhvr>
-                                        <p:cTn id="22" dur="1" fill="hold">
+                                        <p:cTn id="28" dur="1" fill="hold">
                                           <p:stCondLst>
                                             <p:cond delay="0"/>
                                           </p:stCondLst>
@@ -4020,14 +4122,14 @@
                                 </p:cTn>
                               </p:par>
                               <p:par>
-                                <p:cTn id="23" presetID="1" presetClass="entr" presetSubtype="0" fill="hold" nodeType="withEffect">
+                                <p:cTn id="29" presetID="1" presetClass="entr" presetSubtype="0" fill="hold" nodeType="withEffect">
                                   <p:stCondLst>
                                     <p:cond delay="0"/>
                                   </p:stCondLst>
                                   <p:childTnLst>
                                     <p:set>
                                       <p:cBhvr>
-                                        <p:cTn id="24" dur="1" fill="hold">
+                                        <p:cTn id="30" dur="1" fill="hold">
                                           <p:stCondLst>
                                             <p:cond delay="0"/>
                                           </p:stCondLst>
@@ -4047,14 +4149,14 @@
                                 </p:cTn>
                               </p:par>
                               <p:par>
-                                <p:cTn id="25" presetID="1" presetClass="entr" presetSubtype="0" fill="hold" nodeType="withEffect">
+                                <p:cTn id="31" presetID="1" presetClass="entr" presetSubtype="0" fill="hold" nodeType="withEffect">
                                   <p:stCondLst>
                                     <p:cond delay="0"/>
                                   </p:stCondLst>
                                   <p:childTnLst>
                                     <p:set>
                                       <p:cBhvr>
-                                        <p:cTn id="26" dur="1" fill="hold">
+                                        <p:cTn id="32" dur="1" fill="hold">
                                           <p:stCondLst>
                                             <p:cond delay="0"/>
                                           </p:stCondLst>
@@ -4074,14 +4176,14 @@
                                 </p:cTn>
                               </p:par>
                               <p:par>
-                                <p:cTn id="27" presetID="1" presetClass="entr" presetSubtype="0" fill="hold" nodeType="withEffect">
+                                <p:cTn id="33" presetID="1" presetClass="entr" presetSubtype="0" fill="hold" nodeType="withEffect">
                                   <p:stCondLst>
                                     <p:cond delay="0"/>
                                   </p:stCondLst>
                                   <p:childTnLst>
                                     <p:set>
                                       <p:cBhvr>
-                                        <p:cTn id="28" dur="1" fill="hold">
+                                        <p:cTn id="34" dur="1" fill="hold">
                                           <p:stCondLst>
                                             <p:cond delay="0"/>
                                           </p:stCondLst>
@@ -4101,14 +4203,14 @@
                                 </p:cTn>
                               </p:par>
                               <p:par>
-                                <p:cTn id="29" presetID="1" presetClass="entr" presetSubtype="0" fill="hold" grpId="0" nodeType="withEffect">
+                                <p:cTn id="35" presetID="1" presetClass="entr" presetSubtype="0" fill="hold" grpId="0" nodeType="withEffect">
                                   <p:stCondLst>
                                     <p:cond delay="0"/>
                                   </p:stCondLst>
                                   <p:childTnLst>
                                     <p:set>
                                       <p:cBhvr>
-                                        <p:cTn id="30" dur="1" fill="hold">
+                                        <p:cTn id="36" dur="1" fill="hold">
                                           <p:stCondLst>
                                             <p:cond delay="0"/>
                                           </p:stCondLst>
@@ -4134,26 +4236,26 @@
                     </p:cTn>
                   </p:par>
                   <p:par>
-                    <p:cTn id="31" fill="hold">
+                    <p:cTn id="37" fill="hold">
                       <p:stCondLst>
                         <p:cond delay="indefinite"/>
                       </p:stCondLst>
                       <p:childTnLst>
                         <p:par>
-                          <p:cTn id="32" fill="hold">
+                          <p:cTn id="38" fill="hold">
                             <p:stCondLst>
                               <p:cond delay="0"/>
                             </p:stCondLst>
                             <p:childTnLst>
                               <p:par>
-                                <p:cTn id="33" presetID="1" presetClass="entr" presetSubtype="0" fill="hold" nodeType="clickEffect">
+                                <p:cTn id="39" presetID="1" presetClass="entr" presetSubtype="0" fill="hold" nodeType="clickEffect">
                                   <p:stCondLst>
                                     <p:cond delay="0"/>
                                   </p:stCondLst>
                                   <p:childTnLst>
                                     <p:set>
                                       <p:cBhvr>
-                                        <p:cTn id="34" dur="1" fill="hold">
+                                        <p:cTn id="40" dur="1" fill="hold">
                                           <p:stCondLst>
                                             <p:cond delay="0"/>
                                           </p:stCondLst>
@@ -4179,26 +4281,26 @@
                     </p:cTn>
                   </p:par>
                   <p:par>
-                    <p:cTn id="35" fill="hold">
+                    <p:cTn id="41" fill="hold">
                       <p:stCondLst>
                         <p:cond delay="indefinite"/>
                       </p:stCondLst>
                       <p:childTnLst>
                         <p:par>
-                          <p:cTn id="36" fill="hold">
+                          <p:cTn id="42" fill="hold">
                             <p:stCondLst>
                               <p:cond delay="0"/>
                             </p:stCondLst>
                             <p:childTnLst>
                               <p:par>
-                                <p:cTn id="37" presetID="1" presetClass="entr" presetSubtype="0" fill="hold" grpId="0" nodeType="clickEffect">
+                                <p:cTn id="43" presetID="1" presetClass="entr" presetSubtype="0" fill="hold" grpId="0" nodeType="clickEffect">
                                   <p:stCondLst>
                                     <p:cond delay="0"/>
                                   </p:stCondLst>
                                   <p:childTnLst>
                                     <p:set>
                                       <p:cBhvr>
-                                        <p:cTn id="38" dur="1" fill="hold">
+                                        <p:cTn id="44" dur="1" fill="hold">
                                           <p:stCondLst>
                                             <p:cond delay="0"/>
                                           </p:stCondLst>
@@ -4224,26 +4326,26 @@
                     </p:cTn>
                   </p:par>
                   <p:par>
-                    <p:cTn id="39" fill="hold">
+                    <p:cTn id="45" fill="hold">
                       <p:stCondLst>
                         <p:cond delay="indefinite"/>
                       </p:stCondLst>
                       <p:childTnLst>
                         <p:par>
-                          <p:cTn id="40" fill="hold">
+                          <p:cTn id="46" fill="hold">
                             <p:stCondLst>
                               <p:cond delay="0"/>
                             </p:stCondLst>
                             <p:childTnLst>
                               <p:par>
-                                <p:cTn id="41" presetID="1" presetClass="entr" presetSubtype="0" fill="hold" nodeType="clickEffect">
+                                <p:cTn id="47" presetID="1" presetClass="entr" presetSubtype="0" fill="hold" nodeType="clickEffect">
                                   <p:stCondLst>
                                     <p:cond delay="0"/>
                                   </p:stCondLst>
                                   <p:childTnLst>
                                     <p:set>
                                       <p:cBhvr>
-                                        <p:cTn id="42" dur="1" fill="hold">
+                                        <p:cTn id="48" dur="1" fill="hold">
                                           <p:stCondLst>
                                             <p:cond delay="0"/>
                                           </p:stCondLst>
@@ -4297,6 +4399,7 @@
       <p:bldP spid="2" grpId="0"/>
       <p:bldP spid="23" grpId="0"/>
       <p:bldP spid="4" grpId="0"/>
+      <p:bldP spid="5" grpId="0"/>
     </p:bldLst>
   </p:timing>
   <p:extLst mod="1">
@@ -4895,7 +4998,7 @@
           <a:graphicData uri="http://schemas.openxmlformats.org/presentationml/2006/ole">
             <mc:AlternateContent xmlns:mc="http://schemas.openxmlformats.org/markup-compatibility/2006">
               <mc:Choice xmlns:v="urn:schemas-microsoft-com:vml" Requires="v">
-                <p:oleObj spid="_x0000_s1478" name="Equation" r:id="rId3" imgW="965160" imgH="431640" progId="Equation.DSMT4">
+                <p:oleObj spid="_x0000_s1514" name="Equation" r:id="rId3" imgW="965160" imgH="431640" progId="Equation.DSMT4">
                   <p:embed/>
                 </p:oleObj>
               </mc:Choice>
@@ -4952,7 +5055,7 @@
           <a:graphicData uri="http://schemas.openxmlformats.org/presentationml/2006/ole">
             <mc:AlternateContent xmlns:mc="http://schemas.openxmlformats.org/markup-compatibility/2006">
               <mc:Choice xmlns:v="urn:schemas-microsoft-com:vml" Requires="v">
-                <p:oleObj spid="_x0000_s1479" name="Equation" r:id="rId5" imgW="596880" imgH="419040" progId="Equation.DSMT4">
+                <p:oleObj spid="_x0000_s1515" name="Equation" r:id="rId5" imgW="596880" imgH="419040" progId="Equation.DSMT4">
                   <p:embed/>
                 </p:oleObj>
               </mc:Choice>
@@ -5009,7 +5112,7 @@
           <a:graphicData uri="http://schemas.openxmlformats.org/presentationml/2006/ole">
             <mc:AlternateContent xmlns:mc="http://schemas.openxmlformats.org/markup-compatibility/2006">
               <mc:Choice xmlns:v="urn:schemas-microsoft-com:vml" Requires="v">
-                <p:oleObj spid="_x0000_s1480" name="Equation" r:id="rId7" imgW="698400" imgH="228600" progId="Equation.DSMT4">
+                <p:oleObj spid="_x0000_s1516" name="Equation" r:id="rId7" imgW="698400" imgH="228600" progId="Equation.DSMT4">
                   <p:embed/>
                 </p:oleObj>
               </mc:Choice>
@@ -5066,7 +5169,7 @@
           <a:graphicData uri="http://schemas.openxmlformats.org/presentationml/2006/ole">
             <mc:AlternateContent xmlns:mc="http://schemas.openxmlformats.org/markup-compatibility/2006">
               <mc:Choice xmlns:v="urn:schemas-microsoft-com:vml" Requires="v">
-                <p:oleObj spid="_x0000_s1481" name="Equation" r:id="rId9" imgW="1155600" imgH="431640" progId="Equation.DSMT4">
+                <p:oleObj spid="_x0000_s1517" name="Equation" r:id="rId9" imgW="1155600" imgH="431640" progId="Equation.DSMT4">
                   <p:embed/>
                 </p:oleObj>
               </mc:Choice>
@@ -5123,7 +5226,7 @@
           <a:graphicData uri="http://schemas.openxmlformats.org/presentationml/2006/ole">
             <mc:AlternateContent xmlns:mc="http://schemas.openxmlformats.org/markup-compatibility/2006">
               <mc:Choice xmlns:v="urn:schemas-microsoft-com:vml" Requires="v">
-                <p:oleObj spid="_x0000_s1482" name="Equation" r:id="rId11" imgW="1333440" imgH="431640" progId="Equation.DSMT4">
+                <p:oleObj spid="_x0000_s1518" name="Equation" r:id="rId11" imgW="1333440" imgH="431640" progId="Equation.DSMT4">
                   <p:embed/>
                 </p:oleObj>
               </mc:Choice>
@@ -5180,7 +5283,7 @@
           <a:graphicData uri="http://schemas.openxmlformats.org/presentationml/2006/ole">
             <mc:AlternateContent xmlns:mc="http://schemas.openxmlformats.org/markup-compatibility/2006">
               <mc:Choice xmlns:v="urn:schemas-microsoft-com:vml" Requires="v">
-                <p:oleObj spid="_x0000_s1483" name="Equation" r:id="rId13" imgW="685800" imgH="431640" progId="Equation.DSMT4">
+                <p:oleObj spid="_x0000_s1519" name="Equation" r:id="rId13" imgW="685800" imgH="431640" progId="Equation.DSMT4">
                   <p:embed/>
                 </p:oleObj>
               </mc:Choice>
@@ -5237,7 +5340,7 @@
           <a:graphicData uri="http://schemas.openxmlformats.org/presentationml/2006/ole">
             <mc:AlternateContent xmlns:mc="http://schemas.openxmlformats.org/markup-compatibility/2006">
               <mc:Choice xmlns:v="urn:schemas-microsoft-com:vml" Requires="v">
-                <p:oleObj spid="_x0000_s1484" name="Equation" r:id="rId15" imgW="1231560" imgH="444240" progId="Equation.DSMT4">
+                <p:oleObj spid="_x0000_s1520" name="Equation" r:id="rId15" imgW="1231560" imgH="444240" progId="Equation.DSMT4">
                   <p:embed/>
                 </p:oleObj>
               </mc:Choice>
@@ -5294,7 +5397,7 @@
           <a:graphicData uri="http://schemas.openxmlformats.org/presentationml/2006/ole">
             <mc:AlternateContent xmlns:mc="http://schemas.openxmlformats.org/markup-compatibility/2006">
               <mc:Choice xmlns:v="urn:schemas-microsoft-com:vml" Requires="v">
-                <p:oleObj spid="_x0000_s1485" name="Equation" r:id="rId17" imgW="622080" imgH="228600" progId="Equation.DSMT4">
+                <p:oleObj spid="_x0000_s1521" name="Equation" r:id="rId17" imgW="622080" imgH="228600" progId="Equation.DSMT4">
                   <p:embed/>
                 </p:oleObj>
               </mc:Choice>
@@ -5351,7 +5454,7 @@
           <a:graphicData uri="http://schemas.openxmlformats.org/presentationml/2006/ole">
             <mc:AlternateContent xmlns:mc="http://schemas.openxmlformats.org/markup-compatibility/2006">
               <mc:Choice xmlns:v="urn:schemas-microsoft-com:vml" Requires="v">
-                <p:oleObj spid="_x0000_s1486" name="Equation" r:id="rId19" imgW="838080" imgH="228600" progId="Equation.DSMT4">
+                <p:oleObj spid="_x0000_s1522" name="Equation" r:id="rId19" imgW="838080" imgH="228600" progId="Equation.DSMT4">
                   <p:embed/>
                 </p:oleObj>
               </mc:Choice>
@@ -5408,7 +5511,7 @@
           <a:graphicData uri="http://schemas.openxmlformats.org/presentationml/2006/ole">
             <mc:AlternateContent xmlns:mc="http://schemas.openxmlformats.org/markup-compatibility/2006">
               <mc:Choice xmlns:v="urn:schemas-microsoft-com:vml" Requires="v">
-                <p:oleObj spid="_x0000_s1487" name="Equation" r:id="rId21" imgW="876240" imgH="431640" progId="Equation.DSMT4">
+                <p:oleObj spid="_x0000_s1523" name="Equation" r:id="rId21" imgW="876240" imgH="431640" progId="Equation.DSMT4">
                   <p:embed/>
                 </p:oleObj>
               </mc:Choice>
@@ -5465,7 +5568,7 @@
           <a:graphicData uri="http://schemas.openxmlformats.org/presentationml/2006/ole">
             <mc:AlternateContent xmlns:mc="http://schemas.openxmlformats.org/markup-compatibility/2006">
               <mc:Choice xmlns:v="urn:schemas-microsoft-com:vml" Requires="v">
-                <p:oleObj spid="_x0000_s1488" name="Equation" r:id="rId23" imgW="698400" imgH="228600" progId="Equation.DSMT4">
+                <p:oleObj spid="_x0000_s1524" name="Equation" r:id="rId23" imgW="698400" imgH="228600" progId="Equation.DSMT4">
                   <p:embed/>
                 </p:oleObj>
               </mc:Choice>
@@ -5522,7 +5625,7 @@
           <a:graphicData uri="http://schemas.openxmlformats.org/presentationml/2006/ole">
             <mc:AlternateContent xmlns:mc="http://schemas.openxmlformats.org/markup-compatibility/2006">
               <mc:Choice xmlns:v="urn:schemas-microsoft-com:vml" Requires="v">
-                <p:oleObj spid="_x0000_s1489" name="Equation" r:id="rId25" imgW="622080" imgH="203040" progId="Equation.DSMT4">
+                <p:oleObj spid="_x0000_s1525" name="Equation" r:id="rId25" imgW="622080" imgH="203040" progId="Equation.DSMT4">
                   <p:embed/>
                 </p:oleObj>
               </mc:Choice>
@@ -5931,13 +6034,7 @@
               <a:rPr lang="en-US" dirty="0" smtClean="0">
                 <a:latin typeface="Alaska" panose="020E0602030304020303" pitchFamily="34" charset="0"/>
               </a:rPr>
-              <a:t>numbers, </a:t>
-            </a:r>
-            <a:r>
-              <a:rPr lang="en-US" dirty="0" smtClean="0">
-                <a:latin typeface="Alaska" panose="020E0602030304020303" pitchFamily="34" charset="0"/>
-              </a:rPr>
-              <a:t>A and </a:t>
+              <a:t>numbers, A and </a:t>
             </a:r>
             <a:r>
               <a:rPr lang="en-US" dirty="0">
@@ -6013,43 +6110,31 @@
               <a:rPr lang="en-US" dirty="0" smtClean="0">
                 <a:latin typeface="Alaska" panose="020E0602030304020303" pitchFamily="34" charset="0"/>
               </a:rPr>
-              <a:t>This </a:t>
+              <a:t>This new </a:t>
+            </a:r>
+            <a:r>
+              <a:rPr lang="en-US" dirty="0">
+                <a:latin typeface="Alaska" panose="020E0602030304020303" pitchFamily="34" charset="0"/>
+              </a:rPr>
+              <a:t>sequence will be </a:t>
             </a:r>
             <a:r>
               <a:rPr lang="en-US" dirty="0" smtClean="0">
                 <a:latin typeface="Alaska" panose="020E0602030304020303" pitchFamily="34" charset="0"/>
               </a:rPr>
-              <a:t>new </a:t>
+              <a:t>the sum </a:t>
             </a:r>
             <a:r>
               <a:rPr lang="en-US" dirty="0">
                 <a:latin typeface="Alaska" panose="020E0602030304020303" pitchFamily="34" charset="0"/>
               </a:rPr>
-              <a:t>sequence will be </a:t>
+              <a:t>of 2 </a:t>
             </a:r>
             <a:r>
               <a:rPr lang="en-US" dirty="0" smtClean="0">
                 <a:latin typeface="Alaska" panose="020E0602030304020303" pitchFamily="34" charset="0"/>
               </a:rPr>
-              <a:t>the sum </a:t>
-            </a:r>
-            <a:r>
-              <a:rPr lang="en-US" dirty="0">
-                <a:latin typeface="Alaska" panose="020E0602030304020303" pitchFamily="34" charset="0"/>
-              </a:rPr>
-              <a:t>of 2 </a:t>
-            </a:r>
-            <a:r>
-              <a:rPr lang="en-US" dirty="0" smtClean="0">
-                <a:latin typeface="Alaska" panose="020E0602030304020303" pitchFamily="34" charset="0"/>
-              </a:rPr>
-              <a:t>Fibonacci </a:t>
-            </a:r>
-            <a:r>
-              <a:rPr lang="en-US" dirty="0" smtClean="0">
-                <a:latin typeface="Alaska" panose="020E0602030304020303" pitchFamily="34" charset="0"/>
-              </a:rPr>
-              <a:t>sequences </a:t>
+              <a:t>Fibonacci sequences </a:t>
             </a:r>
             <a:r>
               <a:rPr lang="en-US" dirty="0">
@@ -6247,12 +6332,6 @@
               </a:rPr>
               <a:t>.</a:t>
             </a:r>
-            <a:endParaRPr lang="en-US" sz="1400" dirty="0" smtClean="0">
-              <a:solidFill>
-                <a:srgbClr val="0000FF"/>
-              </a:solidFill>
-              <a:latin typeface="Alaska" panose="020E0602030304020303" pitchFamily="34" charset="0"/>
-            </a:endParaRPr>
           </a:p>
         </p:txBody>
       </p:sp>
